--- a/report.pptx
+++ b/report.pptx
@@ -204,7 +204,7 @@
           <a:p>
             <a:fld id="{CD47DC07-58E1-44CE-8667-F03FE19970EE}" type="datetimeFigureOut">
               <a:rPr lang="el-GR" smtClean="0"/>
-              <a:t>3/2/2016</a:t>
+              <a:t>11/2/2016</a:t>
             </a:fld>
             <a:endParaRPr lang="el-GR"/>
           </a:p>
@@ -742,7 +742,7 @@
           <a:p>
             <a:fld id="{2C19D2D0-E39D-4931-9A92-0855BAB72637}" type="datetimeFigureOut">
               <a:rPr lang="el-GR" smtClean="0"/>
-              <a:t>3/2/2016</a:t>
+              <a:t>11/2/2016</a:t>
             </a:fld>
             <a:endParaRPr lang="el-GR"/>
           </a:p>
@@ -1017,7 +1017,7 @@
           <a:p>
             <a:fld id="{2C19D2D0-E39D-4931-9A92-0855BAB72637}" type="datetimeFigureOut">
               <a:rPr lang="el-GR" smtClean="0"/>
-              <a:t>3/2/2016</a:t>
+              <a:t>11/2/2016</a:t>
             </a:fld>
             <a:endParaRPr lang="el-GR"/>
           </a:p>
@@ -1211,7 +1211,7 @@
           <a:p>
             <a:fld id="{2C19D2D0-E39D-4931-9A92-0855BAB72637}" type="datetimeFigureOut">
               <a:rPr lang="el-GR" smtClean="0"/>
-              <a:t>3/2/2016</a:t>
+              <a:t>11/2/2016</a:t>
             </a:fld>
             <a:endParaRPr lang="el-GR"/>
           </a:p>
@@ -1484,7 +1484,7 @@
           <a:p>
             <a:fld id="{2C19D2D0-E39D-4931-9A92-0855BAB72637}" type="datetimeFigureOut">
               <a:rPr lang="el-GR" smtClean="0"/>
-              <a:t>3/2/2016</a:t>
+              <a:t>11/2/2016</a:t>
             </a:fld>
             <a:endParaRPr lang="el-GR"/>
           </a:p>
@@ -1825,7 +1825,7 @@
           <a:p>
             <a:fld id="{2C19D2D0-E39D-4931-9A92-0855BAB72637}" type="datetimeFigureOut">
               <a:rPr lang="el-GR" smtClean="0"/>
-              <a:t>3/2/2016</a:t>
+              <a:t>11/2/2016</a:t>
             </a:fld>
             <a:endParaRPr lang="el-GR"/>
           </a:p>
@@ -2448,7 +2448,7 @@
           <a:p>
             <a:fld id="{2C19D2D0-E39D-4931-9A92-0855BAB72637}" type="datetimeFigureOut">
               <a:rPr lang="el-GR" smtClean="0"/>
-              <a:t>3/2/2016</a:t>
+              <a:t>11/2/2016</a:t>
             </a:fld>
             <a:endParaRPr lang="el-GR"/>
           </a:p>
@@ -3308,7 +3308,7 @@
           <a:p>
             <a:fld id="{2C19D2D0-E39D-4931-9A92-0855BAB72637}" type="datetimeFigureOut">
               <a:rPr lang="el-GR" smtClean="0"/>
-              <a:t>3/2/2016</a:t>
+              <a:t>11/2/2016</a:t>
             </a:fld>
             <a:endParaRPr lang="el-GR"/>
           </a:p>
@@ -3478,7 +3478,7 @@
           <a:p>
             <a:fld id="{2C19D2D0-E39D-4931-9A92-0855BAB72637}" type="datetimeFigureOut">
               <a:rPr lang="el-GR" smtClean="0"/>
-              <a:t>3/2/2016</a:t>
+              <a:t>11/2/2016</a:t>
             </a:fld>
             <a:endParaRPr lang="el-GR"/>
           </a:p>
@@ -3658,7 +3658,7 @@
           <a:p>
             <a:fld id="{2C19D2D0-E39D-4931-9A92-0855BAB72637}" type="datetimeFigureOut">
               <a:rPr lang="el-GR" smtClean="0"/>
-              <a:t>3/2/2016</a:t>
+              <a:t>11/2/2016</a:t>
             </a:fld>
             <a:endParaRPr lang="el-GR"/>
           </a:p>
@@ -3828,7 +3828,7 @@
           <a:p>
             <a:fld id="{2C19D2D0-E39D-4931-9A92-0855BAB72637}" type="datetimeFigureOut">
               <a:rPr lang="el-GR" smtClean="0"/>
-              <a:t>3/2/2016</a:t>
+              <a:t>11/2/2016</a:t>
             </a:fld>
             <a:endParaRPr lang="el-GR"/>
           </a:p>
@@ -4075,7 +4075,7 @@
           <a:p>
             <a:fld id="{2C19D2D0-E39D-4931-9A92-0855BAB72637}" type="datetimeFigureOut">
               <a:rPr lang="el-GR" smtClean="0"/>
-              <a:t>3/2/2016</a:t>
+              <a:t>11/2/2016</a:t>
             </a:fld>
             <a:endParaRPr lang="el-GR"/>
           </a:p>
@@ -4367,7 +4367,7 @@
           <a:p>
             <a:fld id="{2C19D2D0-E39D-4931-9A92-0855BAB72637}" type="datetimeFigureOut">
               <a:rPr lang="el-GR" smtClean="0"/>
-              <a:t>3/2/2016</a:t>
+              <a:t>11/2/2016</a:t>
             </a:fld>
             <a:endParaRPr lang="el-GR"/>
           </a:p>
@@ -4811,7 +4811,7 @@
           <a:p>
             <a:fld id="{2C19D2D0-E39D-4931-9A92-0855BAB72637}" type="datetimeFigureOut">
               <a:rPr lang="el-GR" smtClean="0"/>
-              <a:t>3/2/2016</a:t>
+              <a:t>11/2/2016</a:t>
             </a:fld>
             <a:endParaRPr lang="el-GR"/>
           </a:p>
@@ -4929,7 +4929,7 @@
           <a:p>
             <a:fld id="{2C19D2D0-E39D-4931-9A92-0855BAB72637}" type="datetimeFigureOut">
               <a:rPr lang="el-GR" smtClean="0"/>
-              <a:t>3/2/2016</a:t>
+              <a:t>11/2/2016</a:t>
             </a:fld>
             <a:endParaRPr lang="el-GR"/>
           </a:p>
@@ -5024,7 +5024,7 @@
           <a:p>
             <a:fld id="{2C19D2D0-E39D-4931-9A92-0855BAB72637}" type="datetimeFigureOut">
               <a:rPr lang="el-GR" smtClean="0"/>
-              <a:t>3/2/2016</a:t>
+              <a:t>11/2/2016</a:t>
             </a:fld>
             <a:endParaRPr lang="el-GR"/>
           </a:p>
@@ -5303,7 +5303,7 @@
           <a:p>
             <a:fld id="{2C19D2D0-E39D-4931-9A92-0855BAB72637}" type="datetimeFigureOut">
               <a:rPr lang="el-GR" smtClean="0"/>
-              <a:t>3/2/2016</a:t>
+              <a:t>11/2/2016</a:t>
             </a:fld>
             <a:endParaRPr lang="el-GR"/>
           </a:p>
@@ -5578,7 +5578,7 @@
           <a:p>
             <a:fld id="{2C19D2D0-E39D-4931-9A92-0855BAB72637}" type="datetimeFigureOut">
               <a:rPr lang="el-GR" smtClean="0"/>
-              <a:t>3/2/2016</a:t>
+              <a:t>11/2/2016</a:t>
             </a:fld>
             <a:endParaRPr lang="el-GR"/>
           </a:p>
@@ -6007,7 +6007,7 @@
           <a:p>
             <a:fld id="{2C19D2D0-E39D-4931-9A92-0855BAB72637}" type="datetimeFigureOut">
               <a:rPr lang="el-GR" smtClean="0"/>
-              <a:t>3/2/2016</a:t>
+              <a:t>11/2/2016</a:t>
             </a:fld>
             <a:endParaRPr lang="el-GR"/>
           </a:p>
@@ -6545,7 +6545,12 @@
             <p:ph type="ctrTitle"/>
           </p:nvPr>
         </p:nvSpPr>
-        <p:spPr/>
+        <p:spPr>
+          <a:xfrm>
+            <a:off x="204715" y="2743200"/>
+            <a:ext cx="11455022" cy="2975215"/>
+          </a:xfrm>
+        </p:spPr>
         <p:txBody>
           <a:bodyPr>
             <a:normAutofit fontScale="90000"/>
@@ -6554,13 +6559,142 @@
           <a:p>
             <a:pPr algn="just"/>
             <a:r>
+              <a:rPr lang="en-US" sz="3100" b="1" dirty="0" smtClean="0">
+                <a:latin typeface="+mn-lt"/>
+              </a:rPr>
+              <a:t/>
+            </a:r>
+            <a:br>
+              <a:rPr lang="en-US" sz="3100" b="1" dirty="0" smtClean="0">
+                <a:latin typeface="+mn-lt"/>
+              </a:rPr>
+            </a:br>
+            <a:r>
               <a:rPr lang="en-US" sz="3100" b="1" dirty="0">
                 <a:latin typeface="+mn-lt"/>
               </a:rPr>
-              <a:t>Development of participatory sensing platform on top of android system environment using RESTful web services and modular Java design using OSGi framework, achieving real time software updates without pausing any running service</a:t>
+              <a:t/>
+            </a:r>
+            <a:br>
+              <a:rPr lang="en-US" sz="3100" b="1" dirty="0">
+                <a:latin typeface="+mn-lt"/>
+              </a:rPr>
+            </a:br>
+            <a:r>
+              <a:rPr lang="en-US" sz="3100" b="1" dirty="0" smtClean="0">
+                <a:latin typeface="+mn-lt"/>
+              </a:rPr>
+              <a:t/>
+            </a:r>
+            <a:br>
+              <a:rPr lang="en-US" sz="3100" b="1" dirty="0" smtClean="0">
+                <a:latin typeface="+mn-lt"/>
+              </a:rPr>
+            </a:br>
+            <a:r>
+              <a:rPr lang="en-US" sz="3100" b="1" dirty="0" smtClean="0">
+                <a:latin typeface="+mn-lt"/>
+              </a:rPr>
+              <a:t>Development </a:t>
+            </a:r>
+            <a:r>
+              <a:rPr lang="en-US" sz="3100" b="1" dirty="0">
+                <a:latin typeface="+mn-lt"/>
+              </a:rPr>
+              <a:t>of participatory sensing </a:t>
+            </a:r>
+            <a:r>
+              <a:rPr lang="en-US" sz="3100" b="1" dirty="0" smtClean="0">
+                <a:latin typeface="+mn-lt"/>
+              </a:rPr>
+              <a:t>platform on </a:t>
+            </a:r>
+            <a:r>
+              <a:rPr lang="en-US" sz="3100" b="1" dirty="0">
+                <a:latin typeface="+mn-lt"/>
+              </a:rPr>
+              <a:t>top of </a:t>
+            </a:r>
+            <a:r>
+              <a:rPr lang="en-US" sz="3100" b="1" dirty="0" smtClean="0">
+                <a:latin typeface="+mn-lt"/>
+              </a:rPr>
+              <a:t>Android </a:t>
+            </a:r>
+            <a:r>
+              <a:rPr lang="en-US" sz="3100" b="1" dirty="0">
+                <a:latin typeface="+mn-lt"/>
+              </a:rPr>
+              <a:t>system environment </a:t>
+            </a:r>
+            <a:r>
+              <a:rPr lang="en-US" sz="3100" b="1" dirty="0" smtClean="0">
+                <a:latin typeface="+mn-lt"/>
+              </a:rPr>
+              <a:t>with</a:t>
+            </a:r>
+            <a:r>
+              <a:rPr lang="en-US" sz="3100" b="1" dirty="0">
+                <a:latin typeface="+mn-lt"/>
+              </a:rPr>
+              <a:t> </a:t>
+            </a:r>
+            <a:r>
+              <a:rPr lang="en-US" sz="3100" b="1" dirty="0" smtClean="0"/>
+              <a:t>modular Java </a:t>
             </a:r>
             <a:r>
               <a:rPr lang="en-US" sz="3100" b="1" dirty="0"/>
+              <a:t>design using OSGi </a:t>
+            </a:r>
+            <a:r>
+              <a:rPr lang="en-US" sz="3100" b="1" dirty="0" smtClean="0"/>
+              <a:t>framework, </a:t>
+            </a:r>
+            <a:r>
+              <a:rPr lang="en-US" sz="3100" b="1" dirty="0" smtClean="0">
+                <a:latin typeface="+mn-lt"/>
+              </a:rPr>
+              <a:t>which consumes RESTful </a:t>
+            </a:r>
+            <a:r>
+              <a:rPr lang="en-US" sz="3100" b="1" dirty="0">
+                <a:latin typeface="+mn-lt"/>
+              </a:rPr>
+              <a:t>web services </a:t>
+            </a:r>
+            <a:r>
+              <a:rPr lang="en-US" sz="3100" b="1" dirty="0" smtClean="0">
+                <a:latin typeface="+mn-lt"/>
+              </a:rPr>
+              <a:t>and achieves </a:t>
+            </a:r>
+            <a:r>
+              <a:rPr lang="en-US" sz="3100" b="1" dirty="0">
+                <a:latin typeface="+mn-lt"/>
+              </a:rPr>
+              <a:t>real time </a:t>
+            </a:r>
+            <a:r>
+              <a:rPr lang="en-US" sz="3100" b="1" dirty="0" smtClean="0">
+                <a:latin typeface="+mn-lt"/>
+              </a:rPr>
+              <a:t>software updates </a:t>
+            </a:r>
+            <a:r>
+              <a:rPr lang="en-US" sz="3100" b="1" dirty="0">
+                <a:latin typeface="+mn-lt"/>
+              </a:rPr>
+              <a:t>without pausing any running </a:t>
+            </a:r>
+            <a:r>
+              <a:rPr lang="en-US" sz="3100" b="1" dirty="0" smtClean="0">
+                <a:latin typeface="+mn-lt"/>
+              </a:rPr>
+              <a:t>service</a:t>
+            </a:r>
+            <a:r>
+              <a:rPr lang="en-US" sz="3100" b="1" dirty="0" smtClean="0"/>
               <a:t>.</a:t>
             </a:r>
             <a:r>
@@ -6817,11 +6951,7 @@
             </a:r>
             <a:r>
               <a:rPr lang="el-GR" dirty="0" smtClean="0"/>
-              <a:t>χρησιμοποίσουμε </a:t>
-            </a:r>
-            <a:r>
-              <a:rPr lang="el-GR" dirty="0" smtClean="0"/>
-              <a:t>το </a:t>
+              <a:t>χρησιμοποίσουμε το </a:t>
             </a:r>
             <a:r>
               <a:rPr lang="en-US" dirty="0" smtClean="0"/>
@@ -7473,11 +7603,7 @@
             </a:r>
             <a:r>
               <a:rPr lang="el-GR" sz="1600" dirty="0" smtClean="0"/>
-              <a:t> </a:t>
-            </a:r>
-            <a:r>
-              <a:rPr lang="el-GR" sz="1600" dirty="0" smtClean="0"/>
-              <a:t>εχει φτιαχτεί με τέτοιο τρόπο ώστε με την προσθαφαίρεση</a:t>
+              <a:t> εχει φτιαχτεί με τέτοιο τρόπο ώστε με την προσθαφαίρεση</a:t>
             </a:r>
             <a:r>
               <a:rPr lang="en-US" sz="1600" dirty="0"/>
@@ -7485,77 +7611,57 @@
             </a:r>
             <a:r>
               <a:rPr lang="en-US" sz="1600" dirty="0" smtClean="0"/>
-              <a:t>sensor</a:t>
+              <a:t>sensor bundle names</a:t>
+            </a:r>
+            <a:r>
+              <a:rPr lang="el-GR" sz="1600" dirty="0" smtClean="0"/>
+              <a:t> </a:t>
+            </a:r>
+            <a:r>
+              <a:rPr lang="en-US" sz="1600" dirty="0" smtClean="0"/>
+              <a:t>(</a:t>
+            </a:r>
+            <a:r>
+              <a:rPr lang="el-GR" sz="1600" dirty="0" smtClean="0"/>
+              <a:t>εικόνα</a:t>
+            </a:r>
+            <a:r>
+              <a:rPr lang="en-US" sz="1600" dirty="0" smtClean="0"/>
+              <a:t>)</a:t>
+            </a:r>
+            <a:r>
+              <a:rPr lang="el-GR" sz="1600" dirty="0" smtClean="0"/>
+              <a:t> να ορίζει και το εκάστοτε πείραμα. Ο</a:t>
+            </a:r>
+            <a:r>
+              <a:rPr lang="en-US" sz="1600" dirty="0" smtClean="0"/>
+              <a:t> Server </a:t>
+            </a:r>
+            <a:r>
+              <a:rPr lang="el-GR" sz="1600" dirty="0" smtClean="0"/>
+              <a:t>κρατάει μια λίστα με τα ονόματα των </a:t>
+            </a:r>
+            <a:r>
+              <a:rPr lang="en-US" sz="1600" dirty="0" smtClean="0"/>
+              <a:t>sensor bundles </a:t>
+            </a:r>
+            <a:r>
+              <a:rPr lang="el-GR" sz="1600" dirty="0" smtClean="0"/>
+              <a:t>που έχει σκοπό να χρησιμοποιήσει ή που χρησιμοποιεί ήδη σε κάποιο πείραμα (στην ουσία δηλαδή ποιους αισθητήρες θα χρειαστεί). Όταν αφαιρέσει κάποιο </a:t>
+            </a:r>
+            <a:r>
+              <a:rPr lang="en-US" sz="1600" dirty="0" smtClean="0"/>
+              <a:t>sensor bundle name </a:t>
+            </a:r>
+            <a:r>
+              <a:rPr lang="el-GR" sz="1600" dirty="0" smtClean="0"/>
+              <a:t>από τη λίστα,</a:t>
             </a:r>
             <a:r>
               <a:rPr lang="en-US" sz="1600" dirty="0" smtClean="0"/>
               <a:t> </a:t>
             </a:r>
             <a:r>
-              <a:rPr lang="en-US" sz="1600" dirty="0" smtClean="0"/>
-              <a:t>bundle </a:t>
-            </a:r>
-            <a:r>
-              <a:rPr lang="en-US" sz="1600" dirty="0" smtClean="0"/>
-              <a:t>names</a:t>
-            </a:r>
-            <a:r>
-              <a:rPr lang="el-GR" sz="1600" dirty="0" smtClean="0"/>
-              <a:t> </a:t>
-            </a:r>
-            <a:r>
-              <a:rPr lang="en-US" sz="1600" dirty="0" smtClean="0"/>
-              <a:t>(</a:t>
-            </a:r>
-            <a:r>
-              <a:rPr lang="el-GR" sz="1600" dirty="0" smtClean="0"/>
-              <a:t>εικόνα</a:t>
-            </a:r>
-            <a:r>
-              <a:rPr lang="en-US" sz="1600" dirty="0" smtClean="0"/>
-              <a:t>)</a:t>
-            </a:r>
-            <a:r>
-              <a:rPr lang="el-GR" sz="1600" dirty="0" smtClean="0"/>
-              <a:t> </a:t>
-            </a:r>
-            <a:r>
-              <a:rPr lang="el-GR" sz="1600" dirty="0" smtClean="0"/>
-              <a:t>να ορίζει και το εκάστοτε</a:t>
-            </a:r>
-            <a:r>
-              <a:rPr lang="el-GR" sz="1600" dirty="0" smtClean="0"/>
-              <a:t> πείραμα. Ο</a:t>
-            </a:r>
-            <a:r>
-              <a:rPr lang="en-US" sz="1600" dirty="0" smtClean="0"/>
-              <a:t> Server </a:t>
-            </a:r>
-            <a:r>
-              <a:rPr lang="el-GR" sz="1600" dirty="0" smtClean="0"/>
-              <a:t>κρατάει μια λίστα με τα ονόματα των </a:t>
-            </a:r>
-            <a:r>
-              <a:rPr lang="en-US" sz="1600" dirty="0" smtClean="0"/>
-              <a:t>sensor bundles </a:t>
-            </a:r>
-            <a:r>
-              <a:rPr lang="el-GR" sz="1600" dirty="0" smtClean="0"/>
-              <a:t>που έχει σκοπό να χρησιμοποιήσει ή που χρησιμοποιεί ήδη σε κάποιο πείραμα (στην ουσία δηλαδή ποιους αισθητήρες θα χρειαστεί). Όταν αφαιρέσει κάποιο </a:t>
-            </a:r>
-            <a:r>
-              <a:rPr lang="en-US" sz="1600" dirty="0" smtClean="0"/>
-              <a:t>sensor bundle name </a:t>
-            </a:r>
-            <a:r>
-              <a:rPr lang="el-GR" sz="1600" dirty="0" smtClean="0"/>
-              <a:t>από τη λίστα,</a:t>
-            </a:r>
-            <a:r>
-              <a:rPr lang="en-US" sz="1600" dirty="0" smtClean="0"/>
-              <a:t> </a:t>
-            </a:r>
-            <a:r>
               <a:rPr lang="el-GR" sz="1600" dirty="0" smtClean="0"/>
               <a:t>σημ</a:t>
             </a:r>
@@ -7577,11 +7683,7 @@
             <a:pPr algn="just"/>
             <a:r>
               <a:rPr lang="el-GR" sz="1600" dirty="0" smtClean="0"/>
-              <a:t>Για </a:t>
-            </a:r>
-            <a:r>
-              <a:rPr lang="el-GR" sz="1600" dirty="0" smtClean="0"/>
-              <a:t>νεα </a:t>
+              <a:t>Για νεα </a:t>
             </a:r>
             <a:r>
               <a:rPr lang="en-US" sz="1600" dirty="0" smtClean="0"/>
@@ -7786,7 +7888,7 @@
         <p:spPr>
           <a:xfrm>
             <a:off x="109181" y="22856"/>
-            <a:ext cx="8260109" cy="7478970"/>
+            <a:ext cx="8260109" cy="7725192"/>
           </a:xfrm>
           <a:prstGeom prst="rect">
             <a:avLst/>
@@ -7801,11 +7903,7 @@
           <a:p>
             <a:r>
               <a:rPr lang="en-US" sz="3600" b="1" dirty="0" smtClean="0"/>
-              <a:t>App’s </a:t>
-            </a:r>
-            <a:r>
-              <a:rPr lang="en-US" sz="3600" b="1" dirty="0" smtClean="0"/>
-              <a:t>Plugin manager</a:t>
+              <a:t>App’s Plugin manager</a:t>
             </a:r>
             <a:r>
               <a:rPr lang="el-GR" sz="3600" b="1" dirty="0" smtClean="0"/>
@@ -7827,11 +7925,7 @@
             </a:pPr>
             <a:r>
               <a:rPr lang="en-US" dirty="0" smtClean="0"/>
-              <a:t>O </a:t>
-            </a:r>
-            <a:r>
-              <a:rPr lang="en-US" dirty="0" smtClean="0"/>
-              <a:t>plugin manager </a:t>
+              <a:t>O plugin manager </a:t>
             </a:r>
             <a:r>
               <a:rPr lang="el-GR" dirty="0" smtClean="0"/>
@@ -7984,7 +8078,7 @@
             </a:r>
             <a:r>
               <a:rPr lang="el-GR" sz="1600" dirty="0" smtClean="0"/>
-              <a:t>στον </a:t>
+              <a:t>τον </a:t>
             </a:r>
             <a:r>
               <a:rPr lang="en-US" sz="1600" dirty="0" smtClean="0"/>
@@ -8000,11 +8094,19 @@
             </a:r>
             <a:r>
               <a:rPr lang="el-GR" sz="1600" dirty="0" smtClean="0"/>
-              <a:t>που βλέπουμε στην εικόνα δίπλα</a:t>
+              <a:t>που βλέπουμε στην εικόνα </a:t>
+            </a:r>
+            <a:r>
+              <a:rPr lang="el-GR" sz="1600" dirty="0" smtClean="0"/>
+              <a:t>δίπλα</a:t>
             </a:r>
             <a:r>
               <a:rPr lang="en-US" sz="1600" dirty="0" smtClean="0"/>
-              <a:t> o security manager</a:t>
+              <a:t> o security </a:t>
+            </a:r>
+            <a:r>
+              <a:rPr lang="en-US" sz="1600" dirty="0" smtClean="0"/>
+              <a:t>manager</a:t>
             </a:r>
             <a:r>
               <a:rPr lang="el-GR" sz="1600" dirty="0" smtClean="0"/>
@@ -8032,11 +8134,11 @@
             </a:r>
             <a:r>
               <a:rPr lang="el-GR" sz="1600" dirty="0" smtClean="0"/>
-              <a:t>στο πείραμα). </a:t>
+              <a:t>στο πείραμα). Εαν </a:t>
             </a:r>
             <a:r>
               <a:rPr lang="el-GR" sz="1600" dirty="0" smtClean="0"/>
-              <a:t>Εαν  ο </a:t>
+              <a:t>ο </a:t>
             </a:r>
             <a:r>
               <a:rPr lang="en-US" sz="1600" dirty="0" smtClean="0"/>
@@ -8052,23 +8154,7 @@
             </a:r>
             <a:r>
               <a:rPr lang="el-GR" sz="1600" dirty="0" smtClean="0"/>
-              <a:t>φροντίζει να ελέγξει </a:t>
-            </a:r>
-            <a:r>
-              <a:rPr lang="el-GR" sz="1600" dirty="0" smtClean="0"/>
-              <a:t>αν </a:t>
-            </a:r>
-            <a:r>
-              <a:rPr lang="el-GR" sz="1600" dirty="0" smtClean="0"/>
-              <a:t>υπάρχει </a:t>
-            </a:r>
-            <a:r>
-              <a:rPr lang="el-GR" sz="1600" dirty="0" smtClean="0"/>
-              <a:t>ήδη </a:t>
-            </a:r>
-            <a:r>
-              <a:rPr lang="el-GR" sz="1600" dirty="0" smtClean="0"/>
-              <a:t>το </a:t>
+              <a:t>φροντίζει να ελέγξει αν υπάρχει ήδη το </a:t>
             </a:r>
             <a:r>
               <a:rPr lang="en-US" sz="1600" dirty="0" smtClean="0"/>
@@ -8084,15 +8170,7 @@
             </a:r>
             <a:r>
               <a:rPr lang="el-GR" sz="1600" dirty="0" smtClean="0"/>
-              <a:t>του κινητού (πιθανώς από παλάιότερο πειραμα που είχε τρεξει) και </a:t>
-            </a:r>
-            <a:r>
-              <a:rPr lang="el-GR" sz="1600" dirty="0" smtClean="0"/>
-              <a:t>αν </a:t>
-            </a:r>
-            <a:r>
-              <a:rPr lang="el-GR" sz="1600" dirty="0" smtClean="0"/>
-              <a:t>οχι , στελνει </a:t>
+              <a:t>του κινητού (πιθανώς από παλάιότερο πειραμα που είχε τρεξει) και αν οχι , στελνει </a:t>
             </a:r>
             <a:r>
               <a:rPr lang="en-US" sz="1600" dirty="0" smtClean="0"/>
@@ -8124,15 +8202,35 @@
             </a:r>
             <a:r>
               <a:rPr lang="en-US" sz="1600" dirty="0" smtClean="0"/>
-              <a:t>Restful web service.</a:t>
+              <a:t>Restful web </a:t>
+            </a:r>
+            <a:r>
+              <a:rPr lang="en-US" sz="1600" dirty="0" smtClean="0"/>
+              <a:t>service. </a:t>
             </a:r>
             <a:r>
               <a:rPr lang="el-GR" sz="1600" dirty="0" smtClean="0"/>
-              <a:t> Στη συνέχεια προχωράει </a:t>
+              <a:t>Στη </a:t>
             </a:r>
             <a:r>
               <a:rPr lang="el-GR" sz="1600" dirty="0" smtClean="0"/>
-              <a:t>στη εγκαταστασή</a:t>
+              <a:t>συνέχεια </a:t>
+            </a:r>
+            <a:r>
+              <a:rPr lang="el-GR" sz="1600" dirty="0" smtClean="0"/>
+              <a:t>προχωράει</a:t>
+            </a:r>
+            <a:r>
+              <a:rPr lang="en-US" sz="1600" dirty="0" smtClean="0"/>
+              <a:t> </a:t>
+            </a:r>
+            <a:r>
+              <a:rPr lang="el-GR" sz="1600" dirty="0" smtClean="0"/>
+              <a:t>στη </a:t>
+            </a:r>
+            <a:r>
+              <a:rPr lang="el-GR" sz="1600" dirty="0" smtClean="0"/>
+              <a:t>εγκαταστασή</a:t>
             </a:r>
             <a:r>
               <a:rPr lang="en-US" sz="1600" dirty="0" smtClean="0"/>
@@ -8156,15 +8254,7 @@
             </a:r>
             <a:r>
               <a:rPr lang="el-GR" sz="1600" dirty="0" smtClean="0"/>
-              <a:t>. </a:t>
-            </a:r>
-            <a:r>
-              <a:rPr lang="el-GR" sz="1600" dirty="0" smtClean="0"/>
-              <a:t>Αν υπαρχει ήδη </a:t>
-            </a:r>
-            <a:r>
-              <a:rPr lang="el-GR" sz="1600" dirty="0" smtClean="0"/>
-              <a:t>στην </a:t>
+              <a:t>. Αν υπαρχει ήδη στην </a:t>
             </a:r>
             <a:r>
               <a:rPr lang="en-US" sz="1600" dirty="0" smtClean="0"/>
@@ -8395,11 +8485,15 @@
             </a:r>
             <a:r>
               <a:rPr lang="el-GR" sz="1600" dirty="0" smtClean="0"/>
-              <a:t>του </a:t>
-            </a:r>
-            <a:r>
-              <a:rPr lang="en-US" sz="1600" dirty="0" smtClean="0"/>
-              <a:t>app</a:t>
+              <a:t>του</a:t>
+            </a:r>
+            <a:r>
+              <a:rPr lang="en-US" sz="1600" dirty="0"/>
+              <a:t> </a:t>
+            </a:r>
+            <a:r>
+              <a:rPr lang="el-GR" sz="1600" dirty="0" smtClean="0"/>
+              <a:t>κινητού</a:t>
             </a:r>
             <a:r>
               <a:rPr lang="el-GR" sz="1600" dirty="0" smtClean="0"/>
@@ -8663,11 +8757,7 @@
             </a:r>
             <a:r>
               <a:rPr lang="el-GR" dirty="0" smtClean="0"/>
-              <a:t>και κατά συνέπεια τη συμμετοχή του στο πείραμα. Οποιαδήποτε στιγμή μπορεί να ξανασυνδεθεί</a:t>
-            </a:r>
-            <a:r>
-              <a:rPr lang="el-GR" dirty="0" smtClean="0"/>
-              <a:t>.</a:t>
+              <a:t>και κατά συνέπεια τη συμμετοχή του στο πείραμα. Οποιαδήποτε στιγμή μπορεί να ξανασυνδεθεί.</a:t>
             </a:r>
           </a:p>
           <a:p>
@@ -8681,11 +8771,7 @@
             </a:pPr>
             <a:r>
               <a:rPr lang="el-GR" dirty="0" smtClean="0"/>
-              <a:t>Όταν </a:t>
-            </a:r>
-            <a:r>
-              <a:rPr lang="el-GR" dirty="0" smtClean="0"/>
-              <a:t>αποσυνδεθεί ο </a:t>
+              <a:t>Όταν αποσυνδεθεί ο </a:t>
             </a:r>
             <a:r>
               <a:rPr lang="en-US" dirty="0" smtClean="0"/>
@@ -8693,11 +8779,7 @@
             </a:r>
             <a:r>
               <a:rPr lang="el-GR" dirty="0" smtClean="0"/>
-              <a:t> </a:t>
-            </a:r>
-            <a:r>
-              <a:rPr lang="el-GR" dirty="0" smtClean="0"/>
-              <a:t>τα </a:t>
+              <a:t> τα </a:t>
             </a:r>
             <a:r>
               <a:rPr lang="en-US" dirty="0" smtClean="0"/>
@@ -8733,11 +8815,7 @@
             </a:r>
             <a:r>
               <a:rPr lang="el-GR" dirty="0" smtClean="0"/>
-              <a:t> </a:t>
-            </a:r>
-            <a:r>
-              <a:rPr lang="el-GR" dirty="0" smtClean="0"/>
-              <a:t>στην </a:t>
+              <a:t> στην </a:t>
             </a:r>
             <a:r>
               <a:rPr lang="en-US" dirty="0" smtClean="0"/>
@@ -8745,11 +8823,7 @@
             </a:r>
             <a:r>
               <a:rPr lang="el-GR" dirty="0" smtClean="0"/>
-              <a:t>του </a:t>
-            </a:r>
-            <a:r>
-              <a:rPr lang="el-GR" dirty="0" smtClean="0"/>
-              <a:t>κινητού.</a:t>
+              <a:t>του κινητού.</a:t>
             </a:r>
             <a:endParaRPr lang="el-GR" dirty="0"/>
           </a:p>
